--- a/docs/deployment_guide/images/mulesoft-architecture-diagram.pptx
+++ b/docs/deployment_guide/images/mulesoft-architecture-diagram.pptx
@@ -243,7 +243,7 @@
           <a:p>
             <a:fld id="{6244D3B9-4146-964F-9E7E-473F62F24AD4}" type="datetimeFigureOut">
               <a:rPr lang="en-US" smtClean="0"/>
-              <a:t>8/25/2022</a:t>
+              <a:t>8/31/2022</a:t>
             </a:fld>
             <a:endParaRPr lang="en-US"/>
           </a:p>
@@ -413,7 +413,7 @@
           <a:p>
             <a:fld id="{6244D3B9-4146-964F-9E7E-473F62F24AD4}" type="datetimeFigureOut">
               <a:rPr lang="en-US" smtClean="0"/>
-              <a:t>8/25/2022</a:t>
+              <a:t>8/31/2022</a:t>
             </a:fld>
             <a:endParaRPr lang="en-US"/>
           </a:p>
@@ -593,7 +593,7 @@
           <a:p>
             <a:fld id="{6244D3B9-4146-964F-9E7E-473F62F24AD4}" type="datetimeFigureOut">
               <a:rPr lang="en-US" smtClean="0"/>
-              <a:t>8/25/2022</a:t>
+              <a:t>8/31/2022</a:t>
             </a:fld>
             <a:endParaRPr lang="en-US"/>
           </a:p>
@@ -763,7 +763,7 @@
           <a:p>
             <a:fld id="{6244D3B9-4146-964F-9E7E-473F62F24AD4}" type="datetimeFigureOut">
               <a:rPr lang="en-US" smtClean="0"/>
-              <a:t>8/25/2022</a:t>
+              <a:t>8/31/2022</a:t>
             </a:fld>
             <a:endParaRPr lang="en-US"/>
           </a:p>
@@ -1009,7 +1009,7 @@
           <a:p>
             <a:fld id="{6244D3B9-4146-964F-9E7E-473F62F24AD4}" type="datetimeFigureOut">
               <a:rPr lang="en-US" smtClean="0"/>
-              <a:t>8/25/2022</a:t>
+              <a:t>8/31/2022</a:t>
             </a:fld>
             <a:endParaRPr lang="en-US"/>
           </a:p>
@@ -1241,7 +1241,7 @@
           <a:p>
             <a:fld id="{6244D3B9-4146-964F-9E7E-473F62F24AD4}" type="datetimeFigureOut">
               <a:rPr lang="en-US" smtClean="0"/>
-              <a:t>8/25/2022</a:t>
+              <a:t>8/31/2022</a:t>
             </a:fld>
             <a:endParaRPr lang="en-US"/>
           </a:p>
@@ -1608,7 +1608,7 @@
           <a:p>
             <a:fld id="{6244D3B9-4146-964F-9E7E-473F62F24AD4}" type="datetimeFigureOut">
               <a:rPr lang="en-US" smtClean="0"/>
-              <a:t>8/25/2022</a:t>
+              <a:t>8/31/2022</a:t>
             </a:fld>
             <a:endParaRPr lang="en-US"/>
           </a:p>
@@ -1726,7 +1726,7 @@
           <a:p>
             <a:fld id="{6244D3B9-4146-964F-9E7E-473F62F24AD4}" type="datetimeFigureOut">
               <a:rPr lang="en-US" smtClean="0"/>
-              <a:t>8/25/2022</a:t>
+              <a:t>8/31/2022</a:t>
             </a:fld>
             <a:endParaRPr lang="en-US"/>
           </a:p>
@@ -1821,7 +1821,7 @@
           <a:p>
             <a:fld id="{6244D3B9-4146-964F-9E7E-473F62F24AD4}" type="datetimeFigureOut">
               <a:rPr lang="en-US" smtClean="0"/>
-              <a:t>8/25/2022</a:t>
+              <a:t>8/31/2022</a:t>
             </a:fld>
             <a:endParaRPr lang="en-US"/>
           </a:p>
@@ -2098,7 +2098,7 @@
           <a:p>
             <a:fld id="{6244D3B9-4146-964F-9E7E-473F62F24AD4}" type="datetimeFigureOut">
               <a:rPr lang="en-US" smtClean="0"/>
-              <a:t>8/25/2022</a:t>
+              <a:t>8/31/2022</a:t>
             </a:fld>
             <a:endParaRPr lang="en-US"/>
           </a:p>
@@ -2355,7 +2355,7 @@
           <a:p>
             <a:fld id="{6244D3B9-4146-964F-9E7E-473F62F24AD4}" type="datetimeFigureOut">
               <a:rPr lang="en-US" smtClean="0"/>
-              <a:t>8/25/2022</a:t>
+              <a:t>8/31/2022</a:t>
             </a:fld>
             <a:endParaRPr lang="en-US"/>
           </a:p>
@@ -2568,7 +2568,7 @@
           <a:p>
             <a:fld id="{6244D3B9-4146-964F-9E7E-473F62F24AD4}" type="datetimeFigureOut">
               <a:rPr lang="en-US" smtClean="0"/>
-              <a:t>8/25/2022</a:t>
+              <a:t>8/31/2022</a:t>
             </a:fld>
             <a:endParaRPr lang="en-US"/>
           </a:p>
@@ -2987,8 +2987,8 @@
         </p:nvSpPr>
         <p:spPr>
           <a:xfrm>
-            <a:off x="9784080" y="3840480"/>
-            <a:ext cx="1737360" cy="1645920"/>
+            <a:off x="9784080" y="3962400"/>
+            <a:ext cx="1737360" cy="1537138"/>
           </a:xfrm>
           <a:prstGeom prst="rect">
             <a:avLst/>
@@ -3119,8 +3119,8 @@
         </p:nvSpPr>
         <p:spPr>
           <a:xfrm>
-            <a:off x="7498080" y="3840480"/>
-            <a:ext cx="1737360" cy="1645920"/>
+            <a:off x="7498080" y="3962400"/>
+            <a:ext cx="1737360" cy="1537138"/>
           </a:xfrm>
           <a:prstGeom prst="rect">
             <a:avLst/>
@@ -3251,8 +3251,8 @@
         </p:nvSpPr>
         <p:spPr>
           <a:xfrm>
-            <a:off x="3931920" y="3840480"/>
-            <a:ext cx="1737360" cy="1645920"/>
+            <a:off x="3931920" y="3962400"/>
+            <a:ext cx="1737360" cy="1537138"/>
           </a:xfrm>
           <a:prstGeom prst="rect">
             <a:avLst/>
@@ -4645,8 +4645,8 @@
         </p:nvSpPr>
         <p:spPr>
           <a:xfrm>
-            <a:off x="4114801" y="4206240"/>
-            <a:ext cx="7223760" cy="822960"/>
+            <a:off x="4114801" y="4296776"/>
+            <a:ext cx="7223760" cy="732424"/>
           </a:xfrm>
           <a:prstGeom prst="rect">
             <a:avLst/>
@@ -4758,7 +4758,7 @@
         </p:blipFill>
         <p:spPr bwMode="auto">
           <a:xfrm>
-            <a:off x="6400801" y="4206241"/>
+            <a:off x="6400801" y="4318000"/>
             <a:ext cx="330200" cy="330200"/>
           </a:xfrm>
           <a:prstGeom prst="rect">
@@ -5058,7 +5058,7 @@
         </p:blipFill>
         <p:spPr bwMode="auto">
           <a:xfrm>
-            <a:off x="12252961" y="4240108"/>
+            <a:off x="12252961" y="3429000"/>
             <a:ext cx="762000" cy="762000"/>
           </a:xfrm>
           <a:prstGeom prst="rect">
@@ -5105,7 +5105,7 @@
         </p:nvSpPr>
         <p:spPr bwMode="auto">
           <a:xfrm>
-            <a:off x="11660748" y="5013308"/>
+            <a:off x="11660748" y="4202200"/>
             <a:ext cx="1945325" cy="307777"/>
           </a:xfrm>
           <a:prstGeom prst="rect">
@@ -5565,7 +5565,7 @@
         </p:blipFill>
         <p:spPr bwMode="auto">
           <a:xfrm>
-            <a:off x="3931924" y="3840480"/>
+            <a:off x="3939807" y="3962400"/>
             <a:ext cx="274637" cy="274638"/>
           </a:xfrm>
           <a:prstGeom prst="rect">
@@ -5596,51 +5596,6 @@
           </a:extLst>
         </p:spPr>
       </p:pic>
-      <p:cxnSp>
-        <p:nvCxnSpPr>
-          <p:cNvPr id="91" name="Straight Arrow Connector 90">
-            <a:extLst>
-              <a:ext uri="{FF2B5EF4-FFF2-40B4-BE49-F238E27FC236}">
-                <a16:creationId xmlns:a16="http://schemas.microsoft.com/office/drawing/2014/main" id="{9D095CB6-90B5-DF4F-9F62-D3930E59C3F5}"/>
-              </a:ext>
-            </a:extLst>
-          </p:cNvPr>
-          <p:cNvCxnSpPr>
-            <a:cxnSpLocks/>
-          </p:cNvCxnSpPr>
-          <p:nvPr/>
-        </p:nvCxnSpPr>
-        <p:spPr>
-          <a:xfrm>
-            <a:off x="11338561" y="4495800"/>
-            <a:ext cx="914400" cy="3388"/>
-          </a:xfrm>
-          <a:prstGeom prst="straightConnector1">
-            <a:avLst/>
-          </a:prstGeom>
-          <a:ln w="12700">
-            <a:solidFill>
-              <a:srgbClr val="545B64"/>
-            </a:solidFill>
-            <a:headEnd type="arrow" w="med" len="sm"/>
-            <a:tailEnd type="arrow" w="med" len="sm"/>
-          </a:ln>
-        </p:spPr>
-        <p:style>
-          <a:lnRef idx="1">
-            <a:schemeClr val="accent1"/>
-          </a:lnRef>
-          <a:fillRef idx="0">
-            <a:schemeClr val="accent1"/>
-          </a:fillRef>
-          <a:effectRef idx="0">
-            <a:schemeClr val="accent1"/>
-          </a:effectRef>
-          <a:fontRef idx="minor">
-            <a:schemeClr val="tx1"/>
-          </a:fontRef>
-        </p:style>
-      </p:cxnSp>
       <p:pic>
         <p:nvPicPr>
           <p:cNvPr id="94" name="Graphic 34">
@@ -5730,7 +5685,7 @@
         </p:blipFill>
         <p:spPr bwMode="auto">
           <a:xfrm>
-            <a:off x="7498084" y="3840480"/>
+            <a:off x="7505967" y="3962400"/>
             <a:ext cx="274637" cy="274638"/>
           </a:xfrm>
           <a:prstGeom prst="rect">
@@ -5850,7 +5805,7 @@
         </p:blipFill>
         <p:spPr bwMode="auto">
           <a:xfrm>
-            <a:off x="9784084" y="3840480"/>
+            <a:off x="9791967" y="3962400"/>
             <a:ext cx="274637" cy="274638"/>
           </a:xfrm>
           <a:prstGeom prst="rect">
@@ -6412,6 +6367,186 @@
           <a:ln w="12700">
             <a:solidFill>
               <a:schemeClr val="tx2"/>
+            </a:solidFill>
+            <a:headEnd type="none" w="med" len="sm"/>
+            <a:tailEnd type="arrow" w="med" len="sm"/>
+          </a:ln>
+        </p:spPr>
+        <p:style>
+          <a:lnRef idx="1">
+            <a:schemeClr val="accent1"/>
+          </a:lnRef>
+          <a:fillRef idx="0">
+            <a:schemeClr val="accent1"/>
+          </a:fillRef>
+          <a:effectRef idx="0">
+            <a:schemeClr val="accent1"/>
+          </a:effectRef>
+          <a:fontRef idx="minor">
+            <a:schemeClr val="tx1"/>
+          </a:fontRef>
+        </p:style>
+      </p:cxnSp>
+      <p:cxnSp>
+        <p:nvCxnSpPr>
+          <p:cNvPr id="67" name="Straight Arrow Connector 66">
+            <a:extLst>
+              <a:ext uri="{FF2B5EF4-FFF2-40B4-BE49-F238E27FC236}">
+                <a16:creationId xmlns:a16="http://schemas.microsoft.com/office/drawing/2014/main" id="{921B67A2-A325-4807-8994-565A79830F33}"/>
+              </a:ext>
+            </a:extLst>
+          </p:cNvPr>
+          <p:cNvCxnSpPr>
+            <a:cxnSpLocks/>
+          </p:cNvCxnSpPr>
+          <p:nvPr/>
+        </p:nvCxnSpPr>
+        <p:spPr>
+          <a:xfrm flipV="1">
+            <a:off x="4724400" y="3886200"/>
+            <a:ext cx="0" cy="434320"/>
+          </a:xfrm>
+          <a:prstGeom prst="straightConnector1">
+            <a:avLst/>
+          </a:prstGeom>
+          <a:ln w="12700">
+            <a:solidFill>
+              <a:schemeClr val="tx2"/>
+            </a:solidFill>
+            <a:headEnd type="none" w="med" len="sm"/>
+            <a:tailEnd type="none" w="med" len="sm"/>
+          </a:ln>
+        </p:spPr>
+        <p:style>
+          <a:lnRef idx="1">
+            <a:schemeClr val="accent1"/>
+          </a:lnRef>
+          <a:fillRef idx="0">
+            <a:schemeClr val="accent1"/>
+          </a:fillRef>
+          <a:effectRef idx="0">
+            <a:schemeClr val="accent1"/>
+          </a:effectRef>
+          <a:fontRef idx="minor">
+            <a:schemeClr val="tx1"/>
+          </a:fontRef>
+        </p:style>
+      </p:cxnSp>
+      <p:cxnSp>
+        <p:nvCxnSpPr>
+          <p:cNvPr id="68" name="Straight Arrow Connector 67">
+            <a:extLst>
+              <a:ext uri="{FF2B5EF4-FFF2-40B4-BE49-F238E27FC236}">
+                <a16:creationId xmlns:a16="http://schemas.microsoft.com/office/drawing/2014/main" id="{FE477E3F-B93A-47AA-B8BC-7A5129002B31}"/>
+              </a:ext>
+            </a:extLst>
+          </p:cNvPr>
+          <p:cNvCxnSpPr>
+            <a:cxnSpLocks/>
+          </p:cNvCxnSpPr>
+          <p:nvPr/>
+        </p:nvCxnSpPr>
+        <p:spPr>
+          <a:xfrm flipV="1">
+            <a:off x="8305800" y="3886200"/>
+            <a:ext cx="0" cy="434320"/>
+          </a:xfrm>
+          <a:prstGeom prst="straightConnector1">
+            <a:avLst/>
+          </a:prstGeom>
+          <a:ln w="12700">
+            <a:solidFill>
+              <a:schemeClr val="tx2"/>
+            </a:solidFill>
+            <a:headEnd type="none" w="med" len="sm"/>
+            <a:tailEnd type="none" w="med" len="sm"/>
+          </a:ln>
+        </p:spPr>
+        <p:style>
+          <a:lnRef idx="1">
+            <a:schemeClr val="accent1"/>
+          </a:lnRef>
+          <a:fillRef idx="0">
+            <a:schemeClr val="accent1"/>
+          </a:fillRef>
+          <a:effectRef idx="0">
+            <a:schemeClr val="accent1"/>
+          </a:effectRef>
+          <a:fontRef idx="minor">
+            <a:schemeClr val="tx1"/>
+          </a:fontRef>
+        </p:style>
+      </p:cxnSp>
+      <p:cxnSp>
+        <p:nvCxnSpPr>
+          <p:cNvPr id="69" name="Straight Arrow Connector 68">
+            <a:extLst>
+              <a:ext uri="{FF2B5EF4-FFF2-40B4-BE49-F238E27FC236}">
+                <a16:creationId xmlns:a16="http://schemas.microsoft.com/office/drawing/2014/main" id="{FAC9F161-8B5E-40C7-B52A-A35C4F012AB1}"/>
+              </a:ext>
+            </a:extLst>
+          </p:cNvPr>
+          <p:cNvCxnSpPr>
+            <a:cxnSpLocks/>
+          </p:cNvCxnSpPr>
+          <p:nvPr/>
+        </p:nvCxnSpPr>
+        <p:spPr>
+          <a:xfrm flipV="1">
+            <a:off x="10591800" y="3886200"/>
+            <a:ext cx="0" cy="434320"/>
+          </a:xfrm>
+          <a:prstGeom prst="straightConnector1">
+            <a:avLst/>
+          </a:prstGeom>
+          <a:ln w="12700">
+            <a:solidFill>
+              <a:schemeClr val="tx2"/>
+            </a:solidFill>
+            <a:headEnd type="none" w="med" len="sm"/>
+            <a:tailEnd type="none" w="med" len="sm"/>
+          </a:ln>
+        </p:spPr>
+        <p:style>
+          <a:lnRef idx="1">
+            <a:schemeClr val="accent1"/>
+          </a:lnRef>
+          <a:fillRef idx="0">
+            <a:schemeClr val="accent1"/>
+          </a:fillRef>
+          <a:effectRef idx="0">
+            <a:schemeClr val="accent1"/>
+          </a:effectRef>
+          <a:fontRef idx="minor">
+            <a:schemeClr val="tx1"/>
+          </a:fontRef>
+        </p:style>
+      </p:cxnSp>
+      <p:cxnSp>
+        <p:nvCxnSpPr>
+          <p:cNvPr id="83" name="Straight Arrow Connector 82">
+            <a:extLst>
+              <a:ext uri="{FF2B5EF4-FFF2-40B4-BE49-F238E27FC236}">
+                <a16:creationId xmlns:a16="http://schemas.microsoft.com/office/drawing/2014/main" id="{AF6884FA-C4A7-4886-BAF9-9D743D06B47D}"/>
+              </a:ext>
+            </a:extLst>
+          </p:cNvPr>
+          <p:cNvCxnSpPr>
+            <a:cxnSpLocks/>
+          </p:cNvCxnSpPr>
+          <p:nvPr/>
+        </p:nvCxnSpPr>
+        <p:spPr>
+          <a:xfrm>
+            <a:off x="4724400" y="3886200"/>
+            <a:ext cx="7467600" cy="0"/>
+          </a:xfrm>
+          <a:prstGeom prst="straightConnector1">
+            <a:avLst/>
+          </a:prstGeom>
+          <a:ln w="12700">
+            <a:solidFill>
+              <a:srgbClr val="545B64"/>
             </a:solidFill>
             <a:headEnd type="none" w="med" len="sm"/>
             <a:tailEnd type="arrow" w="med" len="sm"/>
